--- a/ERAU_DB Baseball Card.pptx
+++ b/ERAU_DB Baseball Card.pptx
@@ -3158,11 +3158,7 @@
           <a:p>
             <a:r>
               <a:rPr lang="en-US" dirty="0"/>
-              <a:t>Date			</a:t>
-            </a:r>
-            <a:r>
-              <a:rPr lang="en-US" dirty="0"/>
-              <a:t>3</a:t>
+              <a:t>Date			3</a:t>
             </a:r>
             <a:r>
               <a:rPr lang="en-US" dirty="0" smtClean="0"/>
@@ -3232,11 +3228,7 @@
             </a:r>
             <a:r>
               <a:rPr lang="en-US" dirty="0" smtClean="0"/>
-              <a:t>large (~100m), counter-weighted, slotted, swing arm with a ramp, attached to a very large disk</a:t>
-            </a:r>
-            <a:r>
-              <a:rPr lang="en-US" dirty="0" smtClean="0"/>
-              <a:t>. It uses a primary motor and electromagnets on the disk to rotate the ramp.</a:t>
+              <a:t>large (~100m), counter-weighted, slotted, swing arm with a ramp, attached to a very large disk. It uses a primary motor and electromagnets on the disk to rotate the ramp.</a:t>
             </a:r>
             <a:endParaRPr lang="en-US" dirty="0"/>
           </a:p>
@@ -3388,7 +3380,11 @@
             </a:r>
             <a:r>
               <a:rPr lang="en-US" dirty="0" smtClean="0"/>
-              <a:t>L2 Space Station, other </a:t>
+              <a:t>HMSS (Munich), </a:t>
+            </a:r>
+            <a:r>
+              <a:rPr lang="en-US" dirty="0" smtClean="0"/>
+              <a:t>other </a:t>
             </a:r>
             <a:r>
               <a:rPr lang="en-US" dirty="0"/>
@@ -3462,15 +3458,19 @@
             </a:r>
             <a:r>
               <a:rPr lang="en-US" dirty="0" smtClean="0"/>
-              <a:t>Simulink, </a:t>
-            </a:r>
-            <a:r>
-              <a:rPr lang="en-US" dirty="0" err="1" smtClean="0"/>
-              <a:t>Catia</a:t>
+              <a:t>Simulink</a:t>
+            </a:r>
+            <a:r>
+              <a:rPr lang="en-US" smtClean="0"/>
+              <a:t>, </a:t>
+            </a:r>
+            <a:r>
+              <a:rPr lang="en-US" smtClean="0"/>
+              <a:t>CATIA, </a:t>
             </a:r>
             <a:r>
               <a:rPr lang="en-US" dirty="0" smtClean="0"/>
-              <a:t>, Blender</a:t>
+              <a:t>Blender</a:t>
             </a:r>
             <a:endParaRPr lang="en-US" dirty="0"/>
           </a:p>
